--- a/doc/project5 ppt.pptx
+++ b/doc/project5 ppt.pptx
@@ -10,15 +10,16 @@
     <p:sldId id="260" r:id="rId4"/>
     <p:sldId id="261" r:id="rId5"/>
     <p:sldId id="262" r:id="rId6"/>
-    <p:sldId id="263" r:id="rId7"/>
-    <p:sldId id="273" r:id="rId8"/>
-    <p:sldId id="266" r:id="rId9"/>
-    <p:sldId id="267" r:id="rId10"/>
-    <p:sldId id="268" r:id="rId11"/>
-    <p:sldId id="269" r:id="rId12"/>
-    <p:sldId id="270" r:id="rId13"/>
-    <p:sldId id="271" r:id="rId14"/>
-    <p:sldId id="272" r:id="rId15"/>
+    <p:sldId id="274" r:id="rId7"/>
+    <p:sldId id="263" r:id="rId8"/>
+    <p:sldId id="275" r:id="rId9"/>
+    <p:sldId id="266" r:id="rId10"/>
+    <p:sldId id="267" r:id="rId11"/>
+    <p:sldId id="268" r:id="rId12"/>
+    <p:sldId id="269" r:id="rId13"/>
+    <p:sldId id="270" r:id="rId14"/>
+    <p:sldId id="271" r:id="rId15"/>
+    <p:sldId id="272" r:id="rId16"/>
   </p:sldIdLst>
   <p:sldSz cx="12192000" cy="6858000"/>
   <p:notesSz cx="6858000" cy="9144000"/>
@@ -117,6 +118,11 @@
       </a:defRPr>
     </a:lvl9pPr>
   </p:defaultTextStyle>
+  <p:extLst>
+    <p:ext uri="{EFAFB233-063F-42B5-8137-9DF3F51BA10A}">
+      <p15:sldGuideLst xmlns:p15="http://schemas.microsoft.com/office/powerpoint/2012/main"/>
+    </p:ext>
+  </p:extLst>
 </p:presentation>
 </file>
 
@@ -1338,7 +1344,7 @@
             <a:fld id="{9334D819-9F07-4261-B09B-9E467E5D9002}" type="datetimeFigureOut">
               <a:rPr lang="en-US" smtClean="0"/>
               <a:pPr/>
-              <a:t>4/27/19</a:t>
+              <a:t>4/28/19</a:t>
             </a:fld>
             <a:endParaRPr lang="en-US" dirty="0"/>
           </a:p>
@@ -1577,7 +1583,7 @@
           <a:p>
             <a:fld id="{9334D819-9F07-4261-B09B-9E467E5D9002}" type="datetimeFigureOut">
               <a:rPr lang="en-US" smtClean="0"/>
-              <a:t>4/27/19</a:t>
+              <a:t>4/28/19</a:t>
             </a:fld>
             <a:endParaRPr lang="en-US" dirty="0"/>
           </a:p>
@@ -1757,7 +1763,7 @@
           <a:p>
             <a:fld id="{9334D819-9F07-4261-B09B-9E467E5D9002}" type="datetimeFigureOut">
               <a:rPr lang="en-US" smtClean="0"/>
-              <a:t>4/27/19</a:t>
+              <a:t>4/28/19</a:t>
             </a:fld>
             <a:endParaRPr lang="en-US" dirty="0"/>
           </a:p>
@@ -1927,7 +1933,7 @@
           <a:p>
             <a:fld id="{9334D819-9F07-4261-B09B-9E467E5D9002}" type="datetimeFigureOut">
               <a:rPr lang="en-US" smtClean="0"/>
-              <a:t>4/27/19</a:t>
+              <a:t>4/28/19</a:t>
             </a:fld>
             <a:endParaRPr lang="en-US" dirty="0"/>
           </a:p>
@@ -2204,7 +2210,7 @@
             <a:fld id="{9334D819-9F07-4261-B09B-9E467E5D9002}" type="datetimeFigureOut">
               <a:rPr lang="en-US" smtClean="0"/>
               <a:pPr/>
-              <a:t>4/27/19</a:t>
+              <a:t>4/28/19</a:t>
             </a:fld>
             <a:endParaRPr lang="en-US" dirty="0"/>
           </a:p>
@@ -3406,7 +3412,7 @@
           <a:p>
             <a:fld id="{9334D819-9F07-4261-B09B-9E467E5D9002}" type="datetimeFigureOut">
               <a:rPr lang="en-US" smtClean="0"/>
-              <a:t>4/27/19</a:t>
+              <a:t>4/28/19</a:t>
             </a:fld>
             <a:endParaRPr lang="en-US" dirty="0"/>
           </a:p>
@@ -3796,7 +3802,7 @@
           <a:p>
             <a:fld id="{9334D819-9F07-4261-B09B-9E467E5D9002}" type="datetimeFigureOut">
               <a:rPr lang="en-US" smtClean="0"/>
-              <a:t>4/27/19</a:t>
+              <a:t>4/28/19</a:t>
             </a:fld>
             <a:endParaRPr lang="en-US" dirty="0"/>
           </a:p>
@@ -3919,7 +3925,7 @@
           <a:p>
             <a:fld id="{9334D819-9F07-4261-B09B-9E467E5D9002}" type="datetimeFigureOut">
               <a:rPr lang="en-US" smtClean="0"/>
-              <a:t>4/27/19</a:t>
+              <a:t>4/28/19</a:t>
             </a:fld>
             <a:endParaRPr lang="en-US" dirty="0"/>
           </a:p>
@@ -4014,7 +4020,7 @@
           <a:p>
             <a:fld id="{9334D819-9F07-4261-B09B-9E467E5D9002}" type="datetimeFigureOut">
               <a:rPr lang="en-US" smtClean="0"/>
-              <a:t>4/27/19</a:t>
+              <a:t>4/28/19</a:t>
             </a:fld>
             <a:endParaRPr lang="en-US" dirty="0"/>
           </a:p>
@@ -4777,7 +4783,7 @@
           <a:p>
             <a:fld id="{9334D819-9F07-4261-B09B-9E467E5D9002}" type="datetimeFigureOut">
               <a:rPr lang="en-US" smtClean="0"/>
-              <a:t>4/27/19</a:t>
+              <a:t>4/28/19</a:t>
             </a:fld>
             <a:endParaRPr lang="en-US" dirty="0"/>
           </a:p>
@@ -5617,7 +5623,7 @@
           <a:p>
             <a:fld id="{9334D819-9F07-4261-B09B-9E467E5D9002}" type="datetimeFigureOut">
               <a:rPr lang="en-US" smtClean="0"/>
-              <a:t>4/27/19</a:t>
+              <a:t>4/28/19</a:t>
             </a:fld>
             <a:endParaRPr lang="en-US" dirty="0"/>
           </a:p>
@@ -5845,7 +5851,7 @@
             <a:fld id="{9334D819-9F07-4261-B09B-9E467E5D9002}" type="datetimeFigureOut">
               <a:rPr lang="en-US" smtClean="0"/>
               <a:pPr/>
-              <a:t>4/27/19</a:t>
+              <a:t>4/28/19</a:t>
             </a:fld>
             <a:endParaRPr lang="en-US" dirty="0"/>
           </a:p>
@@ -6969,6 +6975,143 @@
           <p:cNvPr id="2" name="Title 1">
             <a:extLst>
               <a:ext uri="{FF2B5EF4-FFF2-40B4-BE49-F238E27FC236}">
+                <a16:creationId xmlns:a16="http://schemas.microsoft.com/office/drawing/2014/main" id="{D5F01F80-5694-9C4F-BFB1-03DAC1C4B138}"/>
+              </a:ext>
+            </a:extLst>
+          </p:cNvPr>
+          <p:cNvSpPr>
+            <a:spLocks noGrp="1"/>
+          </p:cNvSpPr>
+          <p:nvPr>
+            <p:ph type="title"/>
+          </p:nvPr>
+        </p:nvSpPr>
+        <p:spPr>
+          <a:xfrm>
+            <a:off x="1251678" y="382385"/>
+            <a:ext cx="10178322" cy="825313"/>
+          </a:xfrm>
+        </p:spPr>
+        <p:txBody>
+          <a:bodyPr>
+            <a:normAutofit fontScale="90000"/>
+          </a:bodyPr>
+          <a:lstStyle/>
+          <a:p>
+            <a:r>
+              <a:rPr lang="en-US" sz="4400" dirty="0"/>
+              <a:t>LGB</a:t>
+            </a:r>
+            <a:br>
+              <a:rPr lang="en-US" dirty="0"/>
+            </a:br>
+            <a:endParaRPr lang="en-US" sz="4000" dirty="0"/>
+          </a:p>
+        </p:txBody>
+      </p:sp>
+      <p:sp>
+        <p:nvSpPr>
+          <p:cNvPr id="3" name="Content Placeholder 2">
+            <a:extLst>
+              <a:ext uri="{FF2B5EF4-FFF2-40B4-BE49-F238E27FC236}">
+                <a16:creationId xmlns:a16="http://schemas.microsoft.com/office/drawing/2014/main" id="{0968E440-A405-184D-8A2A-74D738CEEBDE}"/>
+              </a:ext>
+            </a:extLst>
+          </p:cNvPr>
+          <p:cNvSpPr>
+            <a:spLocks noGrp="1"/>
+          </p:cNvSpPr>
+          <p:nvPr>
+            <p:ph idx="1"/>
+          </p:nvPr>
+        </p:nvSpPr>
+        <p:spPr>
+          <a:xfrm>
+            <a:off x="1251678" y="1207698"/>
+            <a:ext cx="10178322" cy="4260410"/>
+          </a:xfrm>
+        </p:spPr>
+        <p:txBody>
+          <a:bodyPr>
+            <a:normAutofit/>
+          </a:bodyPr>
+          <a:lstStyle/>
+          <a:p>
+            <a:pPr marL="0" indent="0">
+              <a:buNone/>
+            </a:pPr>
+            <a:r>
+              <a:rPr lang="en-US" sz="2400" dirty="0"/>
+              <a:t>Most significant 3 variable:   Age, Premium per person,  Premium per adults</a:t>
+            </a:r>
+          </a:p>
+        </p:txBody>
+      </p:sp>
+      <p:pic>
+        <p:nvPicPr>
+          <p:cNvPr id="6" name="Picture 5">
+            <a:extLst>
+              <a:ext uri="{FF2B5EF4-FFF2-40B4-BE49-F238E27FC236}">
+                <a16:creationId xmlns:a16="http://schemas.microsoft.com/office/drawing/2014/main" id="{D42FAE13-0D5C-3D44-B1D8-6A153CCC3951}"/>
+              </a:ext>
+            </a:extLst>
+          </p:cNvPr>
+          <p:cNvPicPr>
+            <a:picLocks noChangeAspect="1"/>
+          </p:cNvPicPr>
+          <p:nvPr/>
+        </p:nvPicPr>
+        <p:blipFill>
+          <a:blip r:embed="rId2"/>
+          <a:stretch>
+            <a:fillRect/>
+          </a:stretch>
+        </p:blipFill>
+        <p:spPr>
+          <a:xfrm>
+            <a:off x="1251678" y="1902279"/>
+            <a:ext cx="9231265" cy="4515293"/>
+          </a:xfrm>
+          <a:prstGeom prst="rect">
+            <a:avLst/>
+          </a:prstGeom>
+        </p:spPr>
+      </p:pic>
+    </p:spTree>
+    <p:extLst>
+      <p:ext uri="{BB962C8B-B14F-4D97-AF65-F5344CB8AC3E}">
+        <p14:creationId xmlns:p14="http://schemas.microsoft.com/office/powerpoint/2010/main" val="1496011066"/>
+      </p:ext>
+    </p:extLst>
+  </p:cSld>
+  <p:clrMapOvr>
+    <a:masterClrMapping/>
+  </p:clrMapOvr>
+</p:sld>
+</file>
+
+<file path=ppt/slides/slide11.xml><?xml version="1.0" encoding="utf-8"?>
+<p:sld xmlns:a="http://schemas.openxmlformats.org/drawingml/2006/main" xmlns:r="http://schemas.openxmlformats.org/officeDocument/2006/relationships" xmlns:p="http://schemas.openxmlformats.org/presentationml/2006/main">
+  <p:cSld>
+    <p:spTree>
+      <p:nvGrpSpPr>
+        <p:cNvPr id="1" name=""/>
+        <p:cNvGrpSpPr/>
+        <p:nvPr/>
+      </p:nvGrpSpPr>
+      <p:grpSpPr>
+        <a:xfrm>
+          <a:off x="0" y="0"/>
+          <a:ext cx="0" cy="0"/>
+          <a:chOff x="0" y="0"/>
+          <a:chExt cx="0" cy="0"/>
+        </a:xfrm>
+      </p:grpSpPr>
+      <p:sp>
+        <p:nvSpPr>
+          <p:cNvPr id="2" name="Title 1">
+            <a:extLst>
+              <a:ext uri="{FF2B5EF4-FFF2-40B4-BE49-F238E27FC236}">
                 <a16:creationId xmlns:a16="http://schemas.microsoft.com/office/drawing/2014/main" id="{DBA563E5-7572-5941-8832-A407203844A6}"/>
               </a:ext>
             </a:extLst>
@@ -7027,17 +7170,17 @@
             </a:pPr>
             <a:r>
               <a:rPr lang="en-US" sz="2400" dirty="0"/>
-              <a:t>Most significant 3 variable:  Family size,  Age,  No. of children</a:t>
+              <a:t>Most significant 3 variable:  Credit Encoding,  year,  Sales Channel</a:t>
             </a:r>
           </a:p>
         </p:txBody>
       </p:sp>
       <p:pic>
         <p:nvPicPr>
-          <p:cNvPr id="5" name="Picture 4">
+          <p:cNvPr id="6" name="Picture 5">
             <a:extLst>
               <a:ext uri="{FF2B5EF4-FFF2-40B4-BE49-F238E27FC236}">
-                <a16:creationId xmlns:a16="http://schemas.microsoft.com/office/drawing/2014/main" id="{B5692E0A-EAF3-5842-B4F7-A1CDE19894FB}"/>
+                <a16:creationId xmlns:a16="http://schemas.microsoft.com/office/drawing/2014/main" id="{97E2B6B9-0C2F-0B4B-B31B-4D53B3440E7D}"/>
               </a:ext>
             </a:extLst>
           </p:cNvPr>
@@ -7055,7 +7198,7 @@
         <p:spPr>
           <a:xfrm>
             <a:off x="1251678" y="1874517"/>
-            <a:ext cx="9065514" cy="4495449"/>
+            <a:ext cx="9312908" cy="4583434"/>
           </a:xfrm>
           <a:prstGeom prst="rect">
             <a:avLst/>
@@ -7075,7 +7218,7 @@
 </p:sld>
 </file>
 
-<file path=ppt/slides/slide11.xml><?xml version="1.0" encoding="utf-8"?>
+<file path=ppt/slides/slide12.xml><?xml version="1.0" encoding="utf-8"?>
 <p:sld xmlns:a="http://schemas.openxmlformats.org/drawingml/2006/main" xmlns:r="http://schemas.openxmlformats.org/officeDocument/2006/relationships" xmlns:p="http://schemas.openxmlformats.org/presentationml/2006/main">
   <p:cSld>
     <p:spTree>
@@ -7213,7 +7356,7 @@
 </p:sld>
 </file>
 
-<file path=ppt/slides/slide12.xml><?xml version="1.0" encoding="utf-8"?>
+<file path=ppt/slides/slide13.xml><?xml version="1.0" encoding="utf-8"?>
 <p:sld xmlns:a="http://schemas.openxmlformats.org/drawingml/2006/main" xmlns:r="http://schemas.openxmlformats.org/officeDocument/2006/relationships" xmlns:p="http://schemas.openxmlformats.org/presentationml/2006/main">
   <p:cSld>
     <p:spTree>
@@ -7333,7 +7476,7 @@
 </p:sld>
 </file>
 
-<file path=ppt/slides/slide13.xml><?xml version="1.0" encoding="utf-8"?>
+<file path=ppt/slides/slide14.xml><?xml version="1.0" encoding="utf-8"?>
 <p:sld xmlns:a="http://schemas.openxmlformats.org/drawingml/2006/main" xmlns:r="http://schemas.openxmlformats.org/officeDocument/2006/relationships" xmlns:p="http://schemas.openxmlformats.org/presentationml/2006/main">
   <p:cSld>
     <p:spTree>
@@ -7393,7 +7536,7 @@
 </p:sld>
 </file>
 
-<file path=ppt/slides/slide14.xml><?xml version="1.0" encoding="utf-8"?>
+<file path=ppt/slides/slide15.xml><?xml version="1.0" encoding="utf-8"?>
 <p:sld xmlns:a="http://schemas.openxmlformats.org/drawingml/2006/main" xmlns:r="http://schemas.openxmlformats.org/officeDocument/2006/relationships" xmlns:p="http://schemas.openxmlformats.org/presentationml/2006/main">
   <p:cSld>
     <p:spTree>
@@ -7459,7 +7602,7 @@
           <a:bodyPr/>
           <a:lstStyle/>
           <a:p>
-            <a:endParaRPr lang="en-US"/>
+            <a:endParaRPr lang="en-US" dirty="0"/>
           </a:p>
         </p:txBody>
       </p:sp>
@@ -8225,8 +8368,12 @@
               </a:lnSpc>
             </a:pPr>
             <a:r>
+              <a:rPr lang="en-US" sz="2400" b="1" dirty="0"/>
+              <a:t>Mean encoding </a:t>
+            </a:r>
+            <a:r>
               <a:rPr lang="en-US" sz="2400" dirty="0"/>
-              <a:t>Mean encoding with cross validation for categorical variables</a:t>
+              <a:t>with cross validation for categorical variables</a:t>
             </a:r>
           </a:p>
           <a:p>
@@ -8291,7 +8438,7 @@
           <p:cNvPr id="2" name="Title 1">
             <a:extLst>
               <a:ext uri="{FF2B5EF4-FFF2-40B4-BE49-F238E27FC236}">
-                <a16:creationId xmlns:a16="http://schemas.microsoft.com/office/drawing/2014/main" id="{BF3257D6-068E-F443-A117-8DE4710F387E}"/>
+                <a16:creationId xmlns:a16="http://schemas.microsoft.com/office/drawing/2014/main" id="{D15A3827-1D43-BA48-8449-C974D6848B22}"/>
               </a:ext>
             </a:extLst>
           </p:cNvPr>
@@ -8304,103 +8451,62 @@
         </p:nvSpPr>
         <p:spPr/>
         <p:txBody>
-          <a:bodyPr/>
+          <a:bodyPr>
+            <a:normAutofit/>
+          </a:bodyPr>
           <a:lstStyle/>
           <a:p>
             <a:r>
               <a:rPr lang="en-US" dirty="0"/>
-              <a:t>Modelling</a:t>
+              <a:t>Pre-possessing</a:t>
+            </a:r>
+            <a:br>
+              <a:rPr lang="en-US" dirty="0"/>
+            </a:br>
+            <a:r>
+              <a:rPr lang="en-US" dirty="0"/>
+              <a:t>    </a:t>
+            </a:r>
+            <a:r>
+              <a:rPr lang="en-US" sz="3100" dirty="0"/>
+              <a:t>Mean encoding</a:t>
             </a:r>
           </a:p>
         </p:txBody>
       </p:sp>
-      <p:sp>
-        <p:nvSpPr>
-          <p:cNvPr id="3" name="Content Placeholder 2">
+      <p:pic>
+        <p:nvPicPr>
+          <p:cNvPr id="5" name="Content Placeholder 4">
             <a:extLst>
               <a:ext uri="{FF2B5EF4-FFF2-40B4-BE49-F238E27FC236}">
-                <a16:creationId xmlns:a16="http://schemas.microsoft.com/office/drawing/2014/main" id="{1A7A2076-78DB-B34D-AC89-5F55D2F3CBAC}"/>
+                <a16:creationId xmlns:a16="http://schemas.microsoft.com/office/drawing/2014/main" id="{223311CE-5987-7D46-A3F1-3C12A2E3B406}"/>
               </a:ext>
             </a:extLst>
           </p:cNvPr>
-          <p:cNvSpPr>
-            <a:spLocks noGrp="1"/>
-          </p:cNvSpPr>
+          <p:cNvPicPr>
+            <a:picLocks noGrp="1" noChangeAspect="1"/>
+          </p:cNvPicPr>
           <p:nvPr>
             <p:ph idx="1"/>
           </p:nvPr>
-        </p:nvSpPr>
+        </p:nvPicPr>
+        <p:blipFill>
+          <a:blip r:embed="rId2"/>
+          <a:stretch>
+            <a:fillRect/>
+          </a:stretch>
+        </p:blipFill>
         <p:spPr>
           <a:xfrm>
-            <a:off x="1475964" y="2078967"/>
-            <a:ext cx="10178322" cy="3593591"/>
+            <a:off x="1905791" y="2149939"/>
+            <a:ext cx="4838041" cy="4120232"/>
           </a:xfrm>
         </p:spPr>
-        <p:txBody>
-          <a:bodyPr/>
-          <a:lstStyle/>
-          <a:p>
-            <a:pPr>
-              <a:lnSpc>
-                <a:spcPct val="150000"/>
-              </a:lnSpc>
-            </a:pPr>
-            <a:r>
-              <a:rPr lang="en-US" sz="2400" dirty="0"/>
-              <a:t>XGB</a:t>
-            </a:r>
-          </a:p>
-          <a:p>
-            <a:pPr>
-              <a:lnSpc>
-                <a:spcPct val="150000"/>
-              </a:lnSpc>
-            </a:pPr>
-            <a:r>
-              <a:rPr lang="en-US" sz="2400" dirty="0"/>
-              <a:t>Random Forest</a:t>
-            </a:r>
-          </a:p>
-          <a:p>
-            <a:pPr>
-              <a:lnSpc>
-                <a:spcPct val="150000"/>
-              </a:lnSpc>
-            </a:pPr>
-            <a:r>
-              <a:rPr lang="en-US" sz="2400" dirty="0"/>
-              <a:t>LGB</a:t>
-            </a:r>
-          </a:p>
-          <a:p>
-            <a:pPr>
-              <a:lnSpc>
-                <a:spcPct val="150000"/>
-              </a:lnSpc>
-            </a:pPr>
-            <a:r>
-              <a:rPr lang="en-US" sz="2400" dirty="0"/>
-              <a:t>Adaboost</a:t>
-            </a:r>
-          </a:p>
-          <a:p>
-            <a:pPr>
-              <a:lnSpc>
-                <a:spcPct val="150000"/>
-              </a:lnSpc>
-            </a:pPr>
-            <a:r>
-              <a:rPr lang="en-US" sz="2400" dirty="0"/>
-              <a:t>Naive Bayes</a:t>
-            </a:r>
-            <a:endParaRPr lang="en-US" dirty="0"/>
-          </a:p>
-        </p:txBody>
-      </p:sp>
+      </p:pic>
     </p:spTree>
     <p:extLst>
       <p:ext uri="{BB962C8B-B14F-4D97-AF65-F5344CB8AC3E}">
-        <p14:creationId xmlns:p14="http://schemas.microsoft.com/office/powerpoint/2010/main" val="876432422"/>
+        <p14:creationId xmlns:p14="http://schemas.microsoft.com/office/powerpoint/2010/main" val="1874259844"/>
       </p:ext>
     </p:extLst>
   </p:cSld>
@@ -8432,7 +8538,7 @@
           <p:cNvPr id="2" name="Title 1">
             <a:extLst>
               <a:ext uri="{FF2B5EF4-FFF2-40B4-BE49-F238E27FC236}">
-                <a16:creationId xmlns:a16="http://schemas.microsoft.com/office/drawing/2014/main" id="{DBA563E5-7572-5941-8832-A407203844A6}"/>
+                <a16:creationId xmlns:a16="http://schemas.microsoft.com/office/drawing/2014/main" id="{BF3257D6-068E-F443-A117-8DE4710F387E}"/>
               </a:ext>
             </a:extLst>
           </p:cNvPr>
@@ -8445,14 +8551,12 @@
         </p:nvSpPr>
         <p:spPr/>
         <p:txBody>
-          <a:bodyPr>
-            <a:normAutofit/>
-          </a:bodyPr>
+          <a:bodyPr/>
           <a:lstStyle/>
           <a:p>
             <a:r>
-              <a:rPr lang="en-US" sz="4000" dirty="0"/>
-              <a:t>XGB</a:t>
+              <a:rPr lang="en-US" dirty="0"/>
+              <a:t>Modelling</a:t>
             </a:r>
           </a:p>
         </p:txBody>
@@ -8462,7 +8566,7 @@
           <p:cNvPr id="3" name="Content Placeholder 2">
             <a:extLst>
               <a:ext uri="{FF2B5EF4-FFF2-40B4-BE49-F238E27FC236}">
-                <a16:creationId xmlns:a16="http://schemas.microsoft.com/office/drawing/2014/main" id="{5B4F91C3-2EF2-A148-A67A-3F8C9B0B6578}"/>
+                <a16:creationId xmlns:a16="http://schemas.microsoft.com/office/drawing/2014/main" id="{1A7A2076-78DB-B34D-AC89-5F55D2F3CBAC}"/>
               </a:ext>
             </a:extLst>
           </p:cNvPr>
@@ -8475,30 +8579,75 @@
         </p:nvSpPr>
         <p:spPr>
           <a:xfrm>
-            <a:off x="1251678" y="1128451"/>
+            <a:off x="1475964" y="2078967"/>
             <a:ext cx="10178322" cy="3593591"/>
           </a:xfrm>
         </p:spPr>
         <p:txBody>
-          <a:bodyPr>
-            <a:normAutofit/>
-          </a:bodyPr>
+          <a:bodyPr/>
           <a:lstStyle/>
           <a:p>
-            <a:pPr marL="0" indent="0">
-              <a:buNone/>
+            <a:pPr>
+              <a:lnSpc>
+                <a:spcPct val="150000"/>
+              </a:lnSpc>
             </a:pPr>
             <a:r>
               <a:rPr lang="en-US" sz="2400" dirty="0"/>
-              <a:t>Most significant 3 variable:  ……….</a:t>
-            </a:r>
+              <a:t>XGB</a:t>
+            </a:r>
+          </a:p>
+          <a:p>
+            <a:pPr>
+              <a:lnSpc>
+                <a:spcPct val="150000"/>
+              </a:lnSpc>
+            </a:pPr>
+            <a:r>
+              <a:rPr lang="en-US" sz="2400" dirty="0"/>
+              <a:t>Random Forest</a:t>
+            </a:r>
+          </a:p>
+          <a:p>
+            <a:pPr>
+              <a:lnSpc>
+                <a:spcPct val="150000"/>
+              </a:lnSpc>
+            </a:pPr>
+            <a:r>
+              <a:rPr lang="en-US" sz="2400" dirty="0"/>
+              <a:t>LGB</a:t>
+            </a:r>
+          </a:p>
+          <a:p>
+            <a:pPr>
+              <a:lnSpc>
+                <a:spcPct val="150000"/>
+              </a:lnSpc>
+            </a:pPr>
+            <a:r>
+              <a:rPr lang="en-US" sz="2400" dirty="0"/>
+              <a:t>Adaboost</a:t>
+            </a:r>
+          </a:p>
+          <a:p>
+            <a:pPr>
+              <a:lnSpc>
+                <a:spcPct val="150000"/>
+              </a:lnSpc>
+            </a:pPr>
+            <a:r>
+              <a:rPr lang="en-US" sz="2400" dirty="0"/>
+              <a:t>Naive Bayes</a:t>
+            </a:r>
+            <a:endParaRPr lang="en-US" dirty="0"/>
           </a:p>
         </p:txBody>
       </p:sp>
     </p:spTree>
     <p:extLst>
       <p:ext uri="{BB962C8B-B14F-4D97-AF65-F5344CB8AC3E}">
-        <p14:creationId xmlns:p14="http://schemas.microsoft.com/office/powerpoint/2010/main" val="3820538326"/>
+        <p14:creationId xmlns:p14="http://schemas.microsoft.com/office/powerpoint/2010/main" val="876432422"/>
       </p:ext>
     </p:extLst>
   </p:cSld>
@@ -8547,9 +8696,10 @@
           <a:lstStyle/>
           <a:p>
             <a:r>
-              <a:rPr lang="en-US" sz="4000" dirty="0"/>
-              <a:t>Random Forest</a:t>
-            </a:r>
+              <a:rPr lang="en-US" sz="4000" dirty="0" err="1"/>
+              <a:t>XGBoost</a:t>
+            </a:r>
+            <a:endParaRPr lang="en-US" sz="4000" dirty="0"/>
           </a:p>
         </p:txBody>
       </p:sp>
@@ -8586,17 +8736,17 @@
             </a:pPr>
             <a:r>
               <a:rPr lang="en-US" sz="2400" dirty="0"/>
-              <a:t>Most significant 3 variable:   Credit,  Sales Channel,  Age</a:t>
+              <a:t>Most significant 3 variable:   Mean by State,  Credit encoding,  Sales Channel</a:t>
             </a:r>
           </a:p>
         </p:txBody>
       </p:sp>
       <p:pic>
         <p:nvPicPr>
-          <p:cNvPr id="9" name="Picture 8">
+          <p:cNvPr id="4" name="Picture 3">
             <a:extLst>
               <a:ext uri="{FF2B5EF4-FFF2-40B4-BE49-F238E27FC236}">
-                <a16:creationId xmlns:a16="http://schemas.microsoft.com/office/drawing/2014/main" id="{628ADA55-51A9-E84A-9F60-660EADD4B679}"/>
+                <a16:creationId xmlns:a16="http://schemas.microsoft.com/office/drawing/2014/main" id="{9A7CB82D-747D-9349-9246-25344523CA40}"/>
               </a:ext>
             </a:extLst>
           </p:cNvPr>
@@ -8613,8 +8763,8 @@
         </p:blipFill>
         <p:spPr>
           <a:xfrm>
-            <a:off x="1251677" y="1874517"/>
-            <a:ext cx="9402651" cy="4596084"/>
+            <a:off x="1251678" y="1874517"/>
+            <a:ext cx="9402652" cy="4491496"/>
           </a:xfrm>
           <a:prstGeom prst="rect">
             <a:avLst/>
@@ -8624,7 +8774,7 @@
     </p:spTree>
     <p:extLst>
       <p:ext uri="{BB962C8B-B14F-4D97-AF65-F5344CB8AC3E}">
-        <p14:creationId xmlns:p14="http://schemas.microsoft.com/office/powerpoint/2010/main" val="730052332"/>
+        <p14:creationId xmlns:p14="http://schemas.microsoft.com/office/powerpoint/2010/main" val="705063768"/>
       </p:ext>
     </p:extLst>
   </p:cSld>
@@ -8656,7 +8806,7 @@
           <p:cNvPr id="2" name="Title 1">
             <a:extLst>
               <a:ext uri="{FF2B5EF4-FFF2-40B4-BE49-F238E27FC236}">
-                <a16:creationId xmlns:a16="http://schemas.microsoft.com/office/drawing/2014/main" id="{D5F01F80-5694-9C4F-BFB1-03DAC1C4B138}"/>
+                <a16:creationId xmlns:a16="http://schemas.microsoft.com/office/drawing/2014/main" id="{59AA2423-950C-4443-8345-15B714F3D8C1}"/>
               </a:ext>
             </a:extLst>
           </p:cNvPr>
@@ -8667,35 +8817,24 @@
             <p:ph type="title"/>
           </p:nvPr>
         </p:nvSpPr>
-        <p:spPr>
-          <a:xfrm>
-            <a:off x="1251678" y="382385"/>
-            <a:ext cx="10178322" cy="825313"/>
-          </a:xfrm>
-        </p:spPr>
+        <p:spPr/>
         <p:txBody>
-          <a:bodyPr>
-            <a:normAutofit fontScale="90000"/>
-          </a:bodyPr>
+          <a:bodyPr/>
           <a:lstStyle/>
           <a:p>
             <a:r>
-              <a:rPr lang="en-US" sz="4400" dirty="0"/>
-              <a:t>LGB</a:t>
-            </a:r>
-            <a:br>
-              <a:rPr lang="en-US" dirty="0"/>
-            </a:br>
-            <a:endParaRPr lang="en-US" sz="4000" dirty="0"/>
+              <a:rPr lang="en-US" sz="4000" dirty="0"/>
+              <a:t>Random Forest</a:t>
+            </a:r>
           </a:p>
         </p:txBody>
       </p:sp>
       <p:sp>
         <p:nvSpPr>
-          <p:cNvPr id="3" name="Content Placeholder 2">
+          <p:cNvPr id="7" name="Content Placeholder 6">
             <a:extLst>
               <a:ext uri="{FF2B5EF4-FFF2-40B4-BE49-F238E27FC236}">
-                <a16:creationId xmlns:a16="http://schemas.microsoft.com/office/drawing/2014/main" id="{0968E440-A405-184D-8A2A-74D738CEEBDE}"/>
+                <a16:creationId xmlns:a16="http://schemas.microsoft.com/office/drawing/2014/main" id="{ED0288D3-1D09-0541-86EE-22DBB43F0CC7}"/>
               </a:ext>
             </a:extLst>
           </p:cNvPr>
@@ -8708,8 +8847,8 @@
         </p:nvSpPr>
         <p:spPr>
           <a:xfrm>
-            <a:off x="1251678" y="1207698"/>
-            <a:ext cx="10178322" cy="4260410"/>
+            <a:off x="1251678" y="1242204"/>
+            <a:ext cx="10178322" cy="4243157"/>
           </a:xfrm>
         </p:spPr>
         <p:txBody>
@@ -8723,17 +8862,17 @@
             </a:pPr>
             <a:r>
               <a:rPr lang="en-US" sz="2400" dirty="0"/>
-              <a:t>Most significant 3 variable:   Age,  Premium,  Zip code</a:t>
+              <a:t>Most significant 3 variable:  Credit,  Sales Channel,  Age</a:t>
             </a:r>
           </a:p>
         </p:txBody>
       </p:sp>
       <p:pic>
         <p:nvPicPr>
-          <p:cNvPr id="5" name="Picture 4">
+          <p:cNvPr id="4" name="Picture 3">
             <a:extLst>
               <a:ext uri="{FF2B5EF4-FFF2-40B4-BE49-F238E27FC236}">
-                <a16:creationId xmlns:a16="http://schemas.microsoft.com/office/drawing/2014/main" id="{7D95EFF9-5385-B34E-9C9B-0529C1F7D3A2}"/>
+                <a16:creationId xmlns:a16="http://schemas.microsoft.com/office/drawing/2014/main" id="{C360A7F0-1A71-5A49-A3AA-13EBED9F6661}"/>
               </a:ext>
             </a:extLst>
           </p:cNvPr>
@@ -8750,8 +8889,8 @@
         </p:blipFill>
         <p:spPr>
           <a:xfrm>
-            <a:off x="1251678" y="1896727"/>
-            <a:ext cx="9082767" cy="4396694"/>
+            <a:off x="1251678" y="1874517"/>
+            <a:ext cx="9361893" cy="4647027"/>
           </a:xfrm>
           <a:prstGeom prst="rect">
             <a:avLst/>
@@ -8761,7 +8900,7 @@
     </p:spTree>
     <p:extLst>
       <p:ext uri="{BB962C8B-B14F-4D97-AF65-F5344CB8AC3E}">
-        <p14:creationId xmlns:p14="http://schemas.microsoft.com/office/powerpoint/2010/main" val="1496011066"/>
+        <p14:creationId xmlns:p14="http://schemas.microsoft.com/office/powerpoint/2010/main" val="730052332"/>
       </p:ext>
     </p:extLst>
   </p:cSld>

--- a/doc/project5 ppt.pptx
+++ b/doc/project5 ppt.pptx
@@ -132,6 +132,34 @@
 </p:cmAuthorLst>
 </file>
 
+<file path=ppt/ink/ink1.xml><?xml version="1.0" encoding="utf-8"?>
+<inkml:ink xmlns:inkml="http://www.w3.org/2003/InkML">
+  <inkml:definitions>
+    <inkml:context xml:id="ctx0">
+      <inkml:inkSource xml:id="inkSrc0">
+        <inkml:traceFormat>
+          <inkml:channel name="X" type="integer" min="-2.14748E9" max="2.14748E9" units="cm"/>
+          <inkml:channel name="Y" type="integer" min="-2.14748E9" max="2.14748E9" units="cm"/>
+        </inkml:traceFormat>
+        <inkml:channelProperties>
+          <inkml:channelProperty channel="X" name="resolution" value="1000" units="1/cm"/>
+          <inkml:channelProperty channel="Y" name="resolution" value="1000" units="1/cm"/>
+        </inkml:channelProperties>
+      </inkml:inkSource>
+      <inkml:timestamp xml:id="ts0" timeString="2019-04-29T17:03:10.714"/>
+    </inkml:context>
+    <inkml:brush xml:id="br0">
+      <inkml:brushProperty name="width" value="0.3" units="cm"/>
+      <inkml:brushProperty name="height" value="0.6" units="cm"/>
+      <inkml:brushProperty name="color" value="#FFFC00"/>
+      <inkml:brushProperty name="tip" value="rectangle"/>
+      <inkml:brushProperty name="rasterOp" value="maskPen"/>
+    </inkml:brush>
+  </inkml:definitions>
+  <inkml:trace contextRef="#ctx0" brushRef="#br0">0 0,'61'0,"-6"0,-18 0,1 0,6 0,8 0,-5 0,5 0,-7 0,-1 0,1 0,0 0,-1 0,-6 0,5 0,-11 0,10 0,-10 0,11 0,-12 0,6 0,-1 0,-4 0,10 0,-10 0,11 0,-12 0,6 0,-7 0,0 0,6 0,-10 0,9 0,-10 0,5 0,-6 0,5 0,-10 0,9 0,-9 0,4 0,-5 0,-1 0,6 0,-4 0,4 0,1 0,-6 0,6 0,-1 0,1 0,6 0,0 0,0 0,0 0,6 0,-5 0,12 0,-5 0,0 0,-2 0,1 0,-6 0,0 0,-2 0,-10 0,9 0,-9 0,4 0,0 0,-4 0,4 0,0 0,-4 0,4 0,-5 0,5 0,-4 0,4 0,-5 0,-1 0,1 0,5 0,-4 0,4 0,-6 0,1 0,-5 0,3 0,0 0,1 0,1 0,-3 0,-1 0</inkml:trace>
+</inkml:ink>
+</file>
+
 <file path=ppt/slideLayouts/slideLayout1.xml><?xml version="1.0" encoding="utf-8"?>
 <p:sldLayout xmlns:a="http://schemas.openxmlformats.org/drawingml/2006/main" xmlns:r="http://schemas.openxmlformats.org/officeDocument/2006/relationships" xmlns:p="http://schemas.openxmlformats.org/presentationml/2006/main" showMasterSp="0" type="title" preserve="1">
   <p:cSld name="Title Slide">
@@ -1344,7 +1372,7 @@
             <a:fld id="{9334D819-9F07-4261-B09B-9E467E5D9002}" type="datetimeFigureOut">
               <a:rPr lang="en-US" smtClean="0"/>
               <a:pPr/>
-              <a:t>4/28/19</a:t>
+              <a:t>4/29/19</a:t>
             </a:fld>
             <a:endParaRPr lang="en-US" dirty="0"/>
           </a:p>
@@ -1583,7 +1611,7 @@
           <a:p>
             <a:fld id="{9334D819-9F07-4261-B09B-9E467E5D9002}" type="datetimeFigureOut">
               <a:rPr lang="en-US" smtClean="0"/>
-              <a:t>4/28/19</a:t>
+              <a:t>4/29/19</a:t>
             </a:fld>
             <a:endParaRPr lang="en-US" dirty="0"/>
           </a:p>
@@ -1763,7 +1791,7 @@
           <a:p>
             <a:fld id="{9334D819-9F07-4261-B09B-9E467E5D9002}" type="datetimeFigureOut">
               <a:rPr lang="en-US" smtClean="0"/>
-              <a:t>4/28/19</a:t>
+              <a:t>4/29/19</a:t>
             </a:fld>
             <a:endParaRPr lang="en-US" dirty="0"/>
           </a:p>
@@ -1933,7 +1961,7 @@
           <a:p>
             <a:fld id="{9334D819-9F07-4261-B09B-9E467E5D9002}" type="datetimeFigureOut">
               <a:rPr lang="en-US" smtClean="0"/>
-              <a:t>4/28/19</a:t>
+              <a:t>4/29/19</a:t>
             </a:fld>
             <a:endParaRPr lang="en-US" dirty="0"/>
           </a:p>
@@ -2210,7 +2238,7 @@
             <a:fld id="{9334D819-9F07-4261-B09B-9E467E5D9002}" type="datetimeFigureOut">
               <a:rPr lang="en-US" smtClean="0"/>
               <a:pPr/>
-              <a:t>4/28/19</a:t>
+              <a:t>4/29/19</a:t>
             </a:fld>
             <a:endParaRPr lang="en-US" dirty="0"/>
           </a:p>
@@ -3412,7 +3440,7 @@
           <a:p>
             <a:fld id="{9334D819-9F07-4261-B09B-9E467E5D9002}" type="datetimeFigureOut">
               <a:rPr lang="en-US" smtClean="0"/>
-              <a:t>4/28/19</a:t>
+              <a:t>4/29/19</a:t>
             </a:fld>
             <a:endParaRPr lang="en-US" dirty="0"/>
           </a:p>
@@ -3802,7 +3830,7 @@
           <a:p>
             <a:fld id="{9334D819-9F07-4261-B09B-9E467E5D9002}" type="datetimeFigureOut">
               <a:rPr lang="en-US" smtClean="0"/>
-              <a:t>4/28/19</a:t>
+              <a:t>4/29/19</a:t>
             </a:fld>
             <a:endParaRPr lang="en-US" dirty="0"/>
           </a:p>
@@ -3925,7 +3953,7 @@
           <a:p>
             <a:fld id="{9334D819-9F07-4261-B09B-9E467E5D9002}" type="datetimeFigureOut">
               <a:rPr lang="en-US" smtClean="0"/>
-              <a:t>4/28/19</a:t>
+              <a:t>4/29/19</a:t>
             </a:fld>
             <a:endParaRPr lang="en-US" dirty="0"/>
           </a:p>
@@ -4020,7 +4048,7 @@
           <a:p>
             <a:fld id="{9334D819-9F07-4261-B09B-9E467E5D9002}" type="datetimeFigureOut">
               <a:rPr lang="en-US" smtClean="0"/>
-              <a:t>4/28/19</a:t>
+              <a:t>4/29/19</a:t>
             </a:fld>
             <a:endParaRPr lang="en-US" dirty="0"/>
           </a:p>
@@ -4783,7 +4811,7 @@
           <a:p>
             <a:fld id="{9334D819-9F07-4261-B09B-9E467E5D9002}" type="datetimeFigureOut">
               <a:rPr lang="en-US" smtClean="0"/>
-              <a:t>4/28/19</a:t>
+              <a:t>4/29/19</a:t>
             </a:fld>
             <a:endParaRPr lang="en-US" dirty="0"/>
           </a:p>
@@ -5623,7 +5651,7 @@
           <a:p>
             <a:fld id="{9334D819-9F07-4261-B09B-9E467E5D9002}" type="datetimeFigureOut">
               <a:rPr lang="en-US" smtClean="0"/>
-              <a:t>4/28/19</a:t>
+              <a:t>4/29/19</a:t>
             </a:fld>
             <a:endParaRPr lang="en-US" dirty="0"/>
           </a:p>
@@ -5851,7 +5879,7 @@
             <a:fld id="{9334D819-9F07-4261-B09B-9E467E5D9002}" type="datetimeFigureOut">
               <a:rPr lang="en-US" smtClean="0"/>
               <a:pPr/>
-              <a:t>4/28/19</a:t>
+              <a:t>4/29/19</a:t>
             </a:fld>
             <a:endParaRPr lang="en-US" dirty="0"/>
           </a:p>
@@ -7521,8 +7549,64 @@
           <a:prstGeom prst="rect">
             <a:avLst/>
           </a:prstGeom>
+          <a:ln>
+            <a:solidFill>
+              <a:schemeClr val="accent1"/>
+            </a:solidFill>
+          </a:ln>
         </p:spPr>
       </p:pic>
+      <mc:AlternateContent xmlns:mc="http://schemas.openxmlformats.org/markup-compatibility/2006">
+        <mc:Choice xmlns:p14="http://schemas.microsoft.com/office/powerpoint/2010/main" Requires="p14">
+          <p:contentPart p14:bwMode="auto" r:id="rId3">
+            <p14:nvContentPartPr>
+              <p14:cNvPr id="8" name="Ink 7">
+                <a:extLst>
+                  <a:ext uri="{FF2B5EF4-FFF2-40B4-BE49-F238E27FC236}">
+                    <a16:creationId xmlns:a16="http://schemas.microsoft.com/office/drawing/2014/main" id="{56DAB6F7-263D-8D42-83B3-D3D50FD76ED6}"/>
+                  </a:ext>
+                </a:extLst>
+              </p14:cNvPr>
+              <p14:cNvContentPartPr/>
+              <p14:nvPr/>
+            </p14:nvContentPartPr>
+            <p14:xfrm>
+              <a:off x="2631093" y="3894644"/>
+              <a:ext cx="994320" cy="360"/>
+            </p14:xfrm>
+          </p:contentPart>
+        </mc:Choice>
+        <mc:Fallback>
+          <p:pic>
+            <p:nvPicPr>
+              <p:cNvPr id="8" name="Ink 7">
+                <a:extLst>
+                  <a:ext uri="{FF2B5EF4-FFF2-40B4-BE49-F238E27FC236}">
+                    <a16:creationId xmlns:a16="http://schemas.microsoft.com/office/drawing/2014/main" id="{56DAB6F7-263D-8D42-83B3-D3D50FD76ED6}"/>
+                  </a:ext>
+                </a:extLst>
+              </p:cNvPr>
+              <p:cNvPicPr/>
+              <p:nvPr/>
+            </p:nvPicPr>
+            <p:blipFill>
+              <a:blip r:embed="rId4"/>
+              <a:stretch>
+                <a:fillRect/>
+              </a:stretch>
+            </p:blipFill>
+            <p:spPr>
+              <a:xfrm>
+                <a:off x="2577093" y="3786644"/>
+                <a:ext cx="1101960" cy="216000"/>
+              </a:xfrm>
+              <a:prstGeom prst="rect">
+                <a:avLst/>
+              </a:prstGeom>
+            </p:spPr>
+          </p:pic>
+        </mc:Fallback>
+      </mc:AlternateContent>
     </p:spTree>
     <p:extLst>
       <p:ext uri="{BB962C8B-B14F-4D97-AF65-F5344CB8AC3E}">
@@ -7716,7 +7800,27 @@
             </a:pPr>
             <a:r>
               <a:rPr lang="en-US" sz="2400" dirty="0"/>
-              <a:t>Predict those policies that are most likely to cancel as well as understand what variables are most influential in causing a policy cancellation.</a:t>
+              <a:t>Predict those</a:t>
+            </a:r>
+            <a:r>
+              <a:rPr lang="zh-CN" altLang="en-US" sz="2400" dirty="0"/>
+              <a:t> </a:t>
+            </a:r>
+            <a:r>
+              <a:rPr lang="en-US" altLang="zh-CN" sz="2400" dirty="0"/>
+              <a:t>house</a:t>
+            </a:r>
+            <a:r>
+              <a:rPr lang="zh-CN" altLang="en-US" sz="2400" dirty="0"/>
+              <a:t> </a:t>
+            </a:r>
+            <a:r>
+              <a:rPr lang="en-US" altLang="zh-CN" sz="2400" dirty="0"/>
+              <a:t>insurance</a:t>
+            </a:r>
+            <a:r>
+              <a:rPr lang="en-US" sz="2400" dirty="0"/>
+              <a:t> policies that are most likely to cancel as well as understand what variables are most influential in causing a policy cancellation.</a:t>
             </a:r>
           </a:p>
         </p:txBody>
@@ -8335,9 +8439,106 @@
               </a:lnSpc>
             </a:pPr>
             <a:r>
+              <a:rPr lang="en-US" altLang="zh-CN" sz="2400" dirty="0"/>
+              <a:t>Remove</a:t>
+            </a:r>
+            <a:r>
               <a:rPr lang="en-US" sz="2400" dirty="0"/>
-              <a:t>Convert outliers to NAs</a:t>
-            </a:r>
+              <a:t> outliers </a:t>
+            </a:r>
+            <a:r>
+              <a:rPr lang="en-US" altLang="zh-CN" sz="2400" dirty="0"/>
+              <a:t>&amp;</a:t>
+            </a:r>
+            <a:r>
+              <a:rPr lang="zh-CN" altLang="en-US" sz="2400" dirty="0"/>
+              <a:t> </a:t>
+            </a:r>
+            <a:r>
+              <a:rPr lang="en-US" altLang="zh-CN" sz="2400" dirty="0"/>
+              <a:t>NA</a:t>
+            </a:r>
+            <a:r>
+              <a:rPr lang="zh-CN" altLang="en-US" sz="2400" dirty="0"/>
+              <a:t> </a:t>
+            </a:r>
+            <a:r>
+              <a:rPr lang="en-US" altLang="zh-CN" sz="2400" dirty="0"/>
+              <a:t>in</a:t>
+            </a:r>
+            <a:r>
+              <a:rPr lang="zh-CN" altLang="en-US" sz="2400" dirty="0"/>
+              <a:t> </a:t>
+            </a:r>
+            <a:r>
+              <a:rPr lang="en-US" altLang="zh-CN" sz="2400" dirty="0"/>
+              <a:t>training</a:t>
+            </a:r>
+            <a:r>
+              <a:rPr lang="zh-CN" altLang="en-US" sz="2400" dirty="0"/>
+              <a:t> </a:t>
+            </a:r>
+            <a:r>
+              <a:rPr lang="en-US" altLang="zh-CN" sz="2400" dirty="0"/>
+              <a:t>set</a:t>
+            </a:r>
+            <a:r>
+              <a:rPr lang="zh-CN" altLang="en-US" sz="2400" dirty="0"/>
+              <a:t> </a:t>
+            </a:r>
+            <a:r>
+              <a:rPr lang="en-US" altLang="zh-CN" sz="2400" dirty="0"/>
+              <a:t>(only</a:t>
+            </a:r>
+            <a:r>
+              <a:rPr lang="zh-CN" altLang="en-US" sz="2400" dirty="0"/>
+              <a:t> </a:t>
+            </a:r>
+            <a:r>
+              <a:rPr lang="en-US" altLang="zh-CN" sz="2400" dirty="0"/>
+              <a:t>0.3%</a:t>
+            </a:r>
+            <a:r>
+              <a:rPr lang="zh-CN" altLang="en-US" sz="2400" dirty="0"/>
+              <a:t> </a:t>
+            </a:r>
+            <a:r>
+              <a:rPr lang="en-US" altLang="zh-CN" sz="2400" dirty="0"/>
+              <a:t>data</a:t>
+            </a:r>
+            <a:r>
+              <a:rPr lang="zh-CN" altLang="en-US" sz="2400" dirty="0"/>
+              <a:t> </a:t>
+            </a:r>
+            <a:r>
+              <a:rPr lang="en-US" altLang="zh-CN" sz="2400" dirty="0"/>
+              <a:t>are</a:t>
+            </a:r>
+            <a:r>
+              <a:rPr lang="zh-CN" altLang="en-US" sz="2400" dirty="0"/>
+              <a:t> </a:t>
+            </a:r>
+            <a:r>
+              <a:rPr lang="en-US" altLang="zh-CN" sz="2400" dirty="0"/>
+              <a:t>outliers</a:t>
+            </a:r>
+            <a:r>
+              <a:rPr lang="zh-CN" altLang="en-US" sz="2400" dirty="0"/>
+              <a:t> </a:t>
+            </a:r>
+            <a:r>
+              <a:rPr lang="en-US" altLang="zh-CN" sz="2400" dirty="0"/>
+              <a:t>&amp;</a:t>
+            </a:r>
+            <a:r>
+              <a:rPr lang="zh-CN" altLang="en-US" sz="2400" dirty="0"/>
+              <a:t> </a:t>
+            </a:r>
+            <a:r>
+              <a:rPr lang="en-US" altLang="zh-CN" sz="2400" dirty="0"/>
+              <a:t>NAs)</a:t>
+            </a:r>
+            <a:endParaRPr lang="en-US" sz="2400" dirty="0"/>
           </a:p>
           <a:p>
             <a:pPr>
@@ -8358,8 +8559,69 @@
             </a:pPr>
             <a:r>
               <a:rPr lang="en-US" sz="2400" dirty="0"/>
-              <a:t>Fill NA values with mean or mode</a:t>
-            </a:r>
+              <a:t>Fill NA values </a:t>
+            </a:r>
+            <a:r>
+              <a:rPr lang="en-US" altLang="zh-CN" sz="2400" dirty="0"/>
+              <a:t>in</a:t>
+            </a:r>
+            <a:r>
+              <a:rPr lang="zh-CN" altLang="en-US" sz="2400" dirty="0"/>
+              <a:t> </a:t>
+            </a:r>
+            <a:r>
+              <a:rPr lang="en-US" altLang="zh-CN" sz="2400" dirty="0"/>
+              <a:t>test</a:t>
+            </a:r>
+            <a:r>
+              <a:rPr lang="zh-CN" altLang="en-US" sz="2400" dirty="0"/>
+              <a:t> </a:t>
+            </a:r>
+            <a:r>
+              <a:rPr lang="en-US" altLang="zh-CN" sz="2400" dirty="0"/>
+              <a:t>set</a:t>
+            </a:r>
+            <a:r>
+              <a:rPr lang="zh-CN" altLang="en-US" sz="2400" dirty="0"/>
+              <a:t> </a:t>
+            </a:r>
+            <a:r>
+              <a:rPr lang="en-US" sz="2400" dirty="0"/>
+              <a:t>with </a:t>
+            </a:r>
+            <a:r>
+              <a:rPr lang="en-US" altLang="zh-CN" sz="2400" dirty="0"/>
+              <a:t>median</a:t>
+            </a:r>
+            <a:r>
+              <a:rPr lang="en-US" sz="2400" dirty="0"/>
+              <a:t> or mode</a:t>
+            </a:r>
+            <a:r>
+              <a:rPr lang="zh-CN" altLang="en-US" sz="2400" dirty="0"/>
+              <a:t> </a:t>
+            </a:r>
+            <a:r>
+              <a:rPr lang="en-US" altLang="zh-CN" sz="2400" dirty="0"/>
+              <a:t>from</a:t>
+            </a:r>
+            <a:r>
+              <a:rPr lang="zh-CN" altLang="en-US" sz="2400" dirty="0"/>
+              <a:t> </a:t>
+            </a:r>
+            <a:r>
+              <a:rPr lang="en-US" altLang="zh-CN" sz="2400" dirty="0"/>
+              <a:t>training</a:t>
+            </a:r>
+            <a:r>
+              <a:rPr lang="zh-CN" altLang="en-US" sz="2400" dirty="0"/>
+              <a:t> </a:t>
+            </a:r>
+            <a:r>
+              <a:rPr lang="en-US" altLang="zh-CN" sz="2400" dirty="0"/>
+              <a:t>set</a:t>
+            </a:r>
+            <a:endParaRPr lang="en-US" sz="2400" dirty="0"/>
           </a:p>
           <a:p>
             <a:pPr>
